--- a/files/presentation/ppt/brng_stoc_snn.py 발표/2021-11-08 brng_stoc_snn.py 발표자료.pptx
+++ b/files/presentation/ppt/brng_stoc_snn.py 발표/2021-11-08 brng_stoc_snn.py 발표자료.pptx
@@ -216,7 +216,7 @@
           <a:p>
             <a:fld id="{38874351-E425-459F-98D5-9BCDDC5A3E66}" type="datetimeFigureOut">
               <a:rPr lang="ko-KR" altLang="en-US" smtClean="0"/>
-              <a:t>2021-11-06</a:t>
+              <a:t>2021-11-08</a:t>
             </a:fld>
             <a:endParaRPr lang="ko-KR" altLang="en-US"/>
           </a:p>
@@ -1228,7 +1228,7 @@
           <a:p>
             <a:fld id="{0DEEF2AD-A5B8-4881-A716-76B85BBF1017}" type="datetimeFigureOut">
               <a:rPr lang="ko-KR" altLang="en-US" smtClean="0"/>
-              <a:t>2021-11-06</a:t>
+              <a:t>2021-11-08</a:t>
             </a:fld>
             <a:endParaRPr lang="ko-KR" altLang="en-US"/>
           </a:p>
@@ -1479,7 +1479,7 @@
           <a:p>
             <a:fld id="{0DEEF2AD-A5B8-4881-A716-76B85BBF1017}" type="datetimeFigureOut">
               <a:rPr lang="ko-KR" altLang="en-US" smtClean="0"/>
-              <a:t>2021-11-06</a:t>
+              <a:t>2021-11-08</a:t>
             </a:fld>
             <a:endParaRPr lang="ko-KR" altLang="en-US"/>
           </a:p>
@@ -1793,7 +1793,7 @@
           <a:p>
             <a:fld id="{0DEEF2AD-A5B8-4881-A716-76B85BBF1017}" type="datetimeFigureOut">
               <a:rPr lang="ko-KR" altLang="en-US" smtClean="0"/>
-              <a:t>2021-11-06</a:t>
+              <a:t>2021-11-08</a:t>
             </a:fld>
             <a:endParaRPr lang="ko-KR" altLang="en-US"/>
           </a:p>
@@ -2126,7 +2126,7 @@
           <a:p>
             <a:fld id="{0DEEF2AD-A5B8-4881-A716-76B85BBF1017}" type="datetimeFigureOut">
               <a:rPr lang="ko-KR" altLang="en-US" smtClean="0"/>
-              <a:t>2021-11-06</a:t>
+              <a:t>2021-11-08</a:t>
             </a:fld>
             <a:endParaRPr lang="ko-KR" altLang="en-US"/>
           </a:p>
@@ -2440,7 +2440,7 @@
           <a:p>
             <a:fld id="{0DEEF2AD-A5B8-4881-A716-76B85BBF1017}" type="datetimeFigureOut">
               <a:rPr lang="ko-KR" altLang="en-US" smtClean="0"/>
-              <a:t>2021-11-06</a:t>
+              <a:t>2021-11-08</a:t>
             </a:fld>
             <a:endParaRPr lang="ko-KR" altLang="en-US"/>
           </a:p>
@@ -2833,7 +2833,7 @@
           <a:p>
             <a:fld id="{0DEEF2AD-A5B8-4881-A716-76B85BBF1017}" type="datetimeFigureOut">
               <a:rPr lang="ko-KR" altLang="en-US" smtClean="0"/>
-              <a:t>2021-11-06</a:t>
+              <a:t>2021-11-08</a:t>
             </a:fld>
             <a:endParaRPr lang="ko-KR" altLang="en-US"/>
           </a:p>
@@ -3003,7 +3003,7 @@
           <a:p>
             <a:fld id="{0DEEF2AD-A5B8-4881-A716-76B85BBF1017}" type="datetimeFigureOut">
               <a:rPr lang="ko-KR" altLang="en-US" smtClean="0"/>
-              <a:t>2021-11-06</a:t>
+              <a:t>2021-11-08</a:t>
             </a:fld>
             <a:endParaRPr lang="ko-KR" altLang="en-US"/>
           </a:p>
@@ -3183,7 +3183,7 @@
           <a:p>
             <a:fld id="{0DEEF2AD-A5B8-4881-A716-76B85BBF1017}" type="datetimeFigureOut">
               <a:rPr lang="ko-KR" altLang="en-US" smtClean="0"/>
-              <a:t>2021-11-06</a:t>
+              <a:t>2021-11-08</a:t>
             </a:fld>
             <a:endParaRPr lang="ko-KR" altLang="en-US"/>
           </a:p>
@@ -3353,7 +3353,7 @@
           <a:p>
             <a:fld id="{0DEEF2AD-A5B8-4881-A716-76B85BBF1017}" type="datetimeFigureOut">
               <a:rPr lang="ko-KR" altLang="en-US" smtClean="0"/>
-              <a:t>2021-11-06</a:t>
+              <a:t>2021-11-08</a:t>
             </a:fld>
             <a:endParaRPr lang="ko-KR" altLang="en-US"/>
           </a:p>
@@ -3600,7 +3600,7 @@
           <a:p>
             <a:fld id="{0DEEF2AD-A5B8-4881-A716-76B85BBF1017}" type="datetimeFigureOut">
               <a:rPr lang="ko-KR" altLang="en-US" smtClean="0"/>
-              <a:t>2021-11-06</a:t>
+              <a:t>2021-11-08</a:t>
             </a:fld>
             <a:endParaRPr lang="ko-KR" altLang="en-US"/>
           </a:p>
@@ -3832,7 +3832,7 @@
           <a:p>
             <a:fld id="{0DEEF2AD-A5B8-4881-A716-76B85BBF1017}" type="datetimeFigureOut">
               <a:rPr lang="ko-KR" altLang="en-US" smtClean="0"/>
-              <a:t>2021-11-06</a:t>
+              <a:t>2021-11-08</a:t>
             </a:fld>
             <a:endParaRPr lang="ko-KR" altLang="en-US"/>
           </a:p>
@@ -4206,7 +4206,7 @@
           <a:p>
             <a:fld id="{0DEEF2AD-A5B8-4881-A716-76B85BBF1017}" type="datetimeFigureOut">
               <a:rPr lang="ko-KR" altLang="en-US" smtClean="0"/>
-              <a:t>2021-11-06</a:t>
+              <a:t>2021-11-08</a:t>
             </a:fld>
             <a:endParaRPr lang="ko-KR" altLang="en-US"/>
           </a:p>
@@ -4329,7 +4329,7 @@
           <a:p>
             <a:fld id="{0DEEF2AD-A5B8-4881-A716-76B85BBF1017}" type="datetimeFigureOut">
               <a:rPr lang="ko-KR" altLang="en-US" smtClean="0"/>
-              <a:t>2021-11-06</a:t>
+              <a:t>2021-11-08</a:t>
             </a:fld>
             <a:endParaRPr lang="ko-KR" altLang="en-US"/>
           </a:p>
@@ -4424,7 +4424,7 @@
           <a:p>
             <a:fld id="{0DEEF2AD-A5B8-4881-A716-76B85BBF1017}" type="datetimeFigureOut">
               <a:rPr lang="ko-KR" altLang="en-US" smtClean="0"/>
-              <a:t>2021-11-06</a:t>
+              <a:t>2021-11-08</a:t>
             </a:fld>
             <a:endParaRPr lang="ko-KR" altLang="en-US"/>
           </a:p>
@@ -4679,7 +4679,7 @@
           <a:p>
             <a:fld id="{0DEEF2AD-A5B8-4881-A716-76B85BBF1017}" type="datetimeFigureOut">
               <a:rPr lang="ko-KR" altLang="en-US" smtClean="0"/>
-              <a:t>2021-11-06</a:t>
+              <a:t>2021-11-08</a:t>
             </a:fld>
             <a:endParaRPr lang="ko-KR" altLang="en-US"/>
           </a:p>
@@ -4984,7 +4984,7 @@
           <a:p>
             <a:fld id="{0DEEF2AD-A5B8-4881-A716-76B85BBF1017}" type="datetimeFigureOut">
               <a:rPr lang="ko-KR" altLang="en-US" smtClean="0"/>
-              <a:t>2021-11-06</a:t>
+              <a:t>2021-11-08</a:t>
             </a:fld>
             <a:endParaRPr lang="ko-KR" altLang="en-US"/>
           </a:p>
@@ -5686,7 +5686,7 @@
           <a:p>
             <a:fld id="{0DEEF2AD-A5B8-4881-A716-76B85BBF1017}" type="datetimeFigureOut">
               <a:rPr lang="ko-KR" altLang="en-US" smtClean="0"/>
-              <a:t>2021-11-06</a:t>
+              <a:t>2021-11-08</a:t>
             </a:fld>
             <a:endParaRPr lang="ko-KR" altLang="en-US"/>
           </a:p>
@@ -6320,6 +6320,36 @@
           <a:chExt cx="0" cy="0"/>
         </a:xfrm>
       </p:grpSpPr>
+      <p:pic>
+        <p:nvPicPr>
+          <p:cNvPr id="3" name="그림 2">
+            <a:extLst>
+              <a:ext uri="{FF2B5EF4-FFF2-40B4-BE49-F238E27FC236}">
+                <a16:creationId xmlns:a16="http://schemas.microsoft.com/office/drawing/2014/main" id="{C5A520C4-EF50-4AC4-94C9-92018FBE3E88}"/>
+              </a:ext>
+            </a:extLst>
+          </p:cNvPr>
+          <p:cNvPicPr>
+            <a:picLocks noChangeAspect="1"/>
+          </p:cNvPicPr>
+          <p:nvPr/>
+        </p:nvPicPr>
+        <p:blipFill>
+          <a:blip r:embed="rId2"/>
+          <a:stretch>
+            <a:fillRect/>
+          </a:stretch>
+        </p:blipFill>
+        <p:spPr>
+          <a:xfrm>
+            <a:off x="2461705" y="532996"/>
+            <a:ext cx="7268589" cy="5792008"/>
+          </a:xfrm>
+          <a:prstGeom prst="rect">
+            <a:avLst/>
+          </a:prstGeom>
+        </p:spPr>
+      </p:pic>
     </p:spTree>
     <p:extLst>
       <p:ext uri="{BB962C8B-B14F-4D97-AF65-F5344CB8AC3E}">
@@ -6830,6 +6860,207 @@
           <a:chExt cx="0" cy="0"/>
         </a:xfrm>
       </p:grpSpPr>
+      <p:sp>
+        <p:nvSpPr>
+          <p:cNvPr id="2" name="TextBox 1">
+            <a:extLst>
+              <a:ext uri="{FF2B5EF4-FFF2-40B4-BE49-F238E27FC236}">
+                <a16:creationId xmlns:a16="http://schemas.microsoft.com/office/drawing/2014/main" id="{C0560F61-67ED-4BB9-88B4-E56185872793}"/>
+              </a:ext>
+            </a:extLst>
+          </p:cNvPr>
+          <p:cNvSpPr txBox="1"/>
+          <p:nvPr/>
+        </p:nvSpPr>
+        <p:spPr>
+          <a:xfrm>
+            <a:off x="1326629" y="1027944"/>
+            <a:ext cx="9538741" cy="4401205"/>
+          </a:xfrm>
+          <a:prstGeom prst="rect">
+            <a:avLst/>
+          </a:prstGeom>
+          <a:noFill/>
+        </p:spPr>
+        <p:txBody>
+          <a:bodyPr wrap="square" rtlCol="0">
+            <a:spAutoFit/>
+          </a:bodyPr>
+          <a:lstStyle/>
+          <a:p>
+            <a:pPr marL="342900" indent="-342900">
+              <a:buAutoNum type="arabicPeriod"/>
+            </a:pPr>
+            <a:r>
+              <a:rPr lang="en-US" altLang="ko-KR" sz="2800" dirty="0" err="1"/>
+              <a:t>Diehl&amp;Cook</a:t>
+            </a:r>
+            <a:r>
+              <a:rPr lang="ko-KR" altLang="en-US" sz="2800" dirty="0"/>
+              <a:t>이 작성한 코드</a:t>
+            </a:r>
+            <a:endParaRPr lang="en-US" altLang="ko-KR" sz="2800" dirty="0"/>
+          </a:p>
+          <a:p>
+            <a:pPr lvl="1"/>
+            <a:r>
+              <a:rPr lang="en-US" altLang="ko-KR" sz="2800" dirty="0"/>
+              <a:t>- </a:t>
+            </a:r>
+            <a:r>
+              <a:rPr lang="ko-KR" altLang="en-US" sz="2800" dirty="0"/>
+              <a:t>우분투에서 돌렸으나 컴파일 </a:t>
+            </a:r>
+            <a:r>
+              <a:rPr lang="ko-KR" altLang="en-US" sz="2800" dirty="0" err="1"/>
+              <a:t>에러남</a:t>
+            </a:r>
+            <a:endParaRPr lang="en-US" altLang="ko-KR" sz="2800" dirty="0"/>
+          </a:p>
+          <a:p>
+            <a:pPr marL="342900" indent="-342900">
+              <a:buAutoNum type="arabicPeriod"/>
+            </a:pPr>
+            <a:r>
+              <a:rPr lang="ko-KR" altLang="en-US" sz="2800" dirty="0"/>
+              <a:t>교수님께서 주신 코드</a:t>
+            </a:r>
+            <a:endParaRPr lang="en-US" altLang="ko-KR" sz="2800" dirty="0"/>
+          </a:p>
+          <a:p>
+            <a:pPr lvl="1"/>
+            <a:r>
+              <a:rPr lang="en-US" altLang="ko-KR" sz="2800" dirty="0"/>
+              <a:t>- </a:t>
+            </a:r>
+            <a:r>
+              <a:rPr lang="ko-KR" altLang="en-US" sz="2800" dirty="0"/>
+              <a:t>우분투에서 돌렸으나 </a:t>
+            </a:r>
+            <a:r>
+              <a:rPr lang="en-US" altLang="ko-KR" sz="2800" dirty="0" err="1"/>
+              <a:t>DimensionMismatchError</a:t>
+            </a:r>
+            <a:endParaRPr lang="en-US" altLang="ko-KR" sz="2800" dirty="0"/>
+          </a:p>
+          <a:p>
+            <a:pPr marL="342900" indent="-342900">
+              <a:buAutoNum type="arabicPeriod"/>
+            </a:pPr>
+            <a:r>
+              <a:rPr lang="ko-KR" altLang="en-US" sz="2800" dirty="0"/>
+              <a:t>교수님께서 주신 코드에서 식 같게 문법만 바꾼 코드</a:t>
+            </a:r>
+            <a:endParaRPr lang="en-US" altLang="ko-KR" sz="2800" dirty="0"/>
+          </a:p>
+          <a:p>
+            <a:pPr lvl="1"/>
+            <a:r>
+              <a:rPr lang="en-US" altLang="ko-KR" sz="2800" dirty="0"/>
+              <a:t>- </a:t>
+            </a:r>
+            <a:r>
+              <a:rPr lang="en-US" altLang="ko-KR" sz="2800" dirty="0" err="1"/>
+              <a:t>Sympy</a:t>
+            </a:r>
+            <a:r>
+              <a:rPr lang="en-US" altLang="ko-KR" sz="2800" dirty="0"/>
+              <a:t> expression Error</a:t>
+            </a:r>
+          </a:p>
+          <a:p>
+            <a:pPr marL="342900" indent="-342900">
+              <a:buAutoNum type="arabicPeriod"/>
+            </a:pPr>
+            <a:r>
+              <a:rPr lang="ko-KR" altLang="en-US" sz="2800" dirty="0"/>
+              <a:t>교수님께서 주신 코드에서 식</a:t>
+            </a:r>
+            <a:r>
+              <a:rPr lang="en-US" altLang="ko-KR" sz="2800" dirty="0"/>
+              <a:t>, </a:t>
+            </a:r>
+            <a:r>
+              <a:rPr lang="ko-KR" altLang="en-US" sz="2800" dirty="0"/>
+              <a:t>문법 바꾼 코드</a:t>
+            </a:r>
+            <a:endParaRPr lang="en-US" altLang="ko-KR" sz="2800" dirty="0"/>
+          </a:p>
+          <a:p>
+            <a:pPr lvl="1"/>
+            <a:r>
+              <a:rPr lang="en-US" altLang="ko-KR" sz="2800" dirty="0"/>
+              <a:t>- </a:t>
+            </a:r>
+            <a:r>
+              <a:rPr lang="en-US" altLang="ko-KR" sz="2800" dirty="0" err="1"/>
+              <a:t>rowdata</a:t>
+            </a:r>
+            <a:r>
+              <a:rPr lang="en-US" altLang="ko-KR" sz="2800" dirty="0"/>
+              <a:t>, </a:t>
+            </a:r>
+            <a:r>
+              <a:rPr lang="en-US" altLang="ko-KR" sz="2800" dirty="0" err="1"/>
+              <a:t>rowj</a:t>
+            </a:r>
+            <a:r>
+              <a:rPr lang="en-US" altLang="ko-KR" sz="2800" dirty="0"/>
+              <a:t>, shape</a:t>
+            </a:r>
+            <a:r>
+              <a:rPr lang="ko-KR" altLang="en-US" sz="2800" dirty="0"/>
+              <a:t>부분에서 에러</a:t>
+            </a:r>
+            <a:endParaRPr lang="en-US" altLang="ko-KR" sz="2800" dirty="0"/>
+          </a:p>
+          <a:p>
+            <a:pPr marL="342900" indent="-342900">
+              <a:buAutoNum type="arabicPeriod"/>
+            </a:pPr>
+            <a:r>
+              <a:rPr lang="en-US" altLang="ko-KR" sz="2800" dirty="0" err="1"/>
+              <a:t>Diehl&amp;Cook</a:t>
+            </a:r>
+            <a:r>
+              <a:rPr lang="ko-KR" altLang="en-US" sz="2800" dirty="0"/>
+              <a:t>코드를 </a:t>
+            </a:r>
+            <a:r>
+              <a:rPr lang="en-US" altLang="ko-KR" sz="2800" dirty="0"/>
+              <a:t>brian2</a:t>
+            </a:r>
+            <a:r>
+              <a:rPr lang="ko-KR" altLang="en-US" sz="2800" dirty="0"/>
+              <a:t>로 바꾼 코드</a:t>
+            </a:r>
+            <a:endParaRPr lang="en-US" altLang="ko-KR" sz="2800" dirty="0"/>
+          </a:p>
+          <a:p>
+            <a:pPr lvl="1"/>
+            <a:r>
+              <a:rPr lang="en-US" altLang="ko-KR" sz="2800" dirty="0"/>
+              <a:t>- </a:t>
+            </a:r>
+            <a:r>
+              <a:rPr lang="en-US" altLang="ko-KR" sz="2800" dirty="0" err="1"/>
+              <a:t>TypeError</a:t>
+            </a:r>
+            <a:r>
+              <a:rPr lang="en-US" altLang="ko-KR" sz="2800" dirty="0"/>
+              <a:t>: cannot pickle </a:t>
+            </a:r>
+            <a:r>
+              <a:rPr lang="en-US" altLang="ko-KR" sz="2800" dirty="0" err="1"/>
+              <a:t>weakref</a:t>
+            </a:r>
+            <a:r>
+              <a:rPr lang="en-US" altLang="ko-KR" sz="2800" dirty="0"/>
+              <a:t> object</a:t>
+            </a:r>
+          </a:p>
+        </p:txBody>
+      </p:sp>
     </p:spTree>
     <p:extLst>
       <p:ext uri="{BB962C8B-B14F-4D97-AF65-F5344CB8AC3E}">
@@ -6860,6 +7091,142 @@
           <a:chExt cx="0" cy="0"/>
         </a:xfrm>
       </p:grpSpPr>
+      <p:sp>
+        <p:nvSpPr>
+          <p:cNvPr id="2" name="TextBox 1">
+            <a:extLst>
+              <a:ext uri="{FF2B5EF4-FFF2-40B4-BE49-F238E27FC236}">
+                <a16:creationId xmlns:a16="http://schemas.microsoft.com/office/drawing/2014/main" id="{5DABC529-9A07-42BD-980E-A7E2393125E8}"/>
+              </a:ext>
+            </a:extLst>
+          </p:cNvPr>
+          <p:cNvSpPr txBox="1"/>
+          <p:nvPr/>
+        </p:nvSpPr>
+        <p:spPr>
+          <a:xfrm>
+            <a:off x="1603947" y="1443841"/>
+            <a:ext cx="9054060" cy="3970318"/>
+          </a:xfrm>
+          <a:prstGeom prst="rect">
+            <a:avLst/>
+          </a:prstGeom>
+          <a:noFill/>
+        </p:spPr>
+        <p:txBody>
+          <a:bodyPr wrap="square" rtlCol="0">
+            <a:spAutoFit/>
+          </a:bodyPr>
+          <a:lstStyle/>
+          <a:p>
+            <a:r>
+              <a:rPr lang="en-US" altLang="ko-KR" sz="2800" dirty="0" err="1"/>
+              <a:t>brng</a:t>
+            </a:r>
+            <a:r>
+              <a:rPr lang="en-US" altLang="ko-KR" sz="2800" dirty="0"/>
+              <a:t>_ - </a:t>
+            </a:r>
+            <a:r>
+              <a:rPr lang="ko-KR" altLang="en-US" sz="2800" dirty="0"/>
+              <a:t>보간</a:t>
+            </a:r>
+            <a:r>
+              <a:rPr lang="en-US" altLang="ko-KR" sz="2800" dirty="0"/>
+              <a:t>, </a:t>
+            </a:r>
+            <a:r>
+              <a:rPr lang="ko-KR" altLang="en-US" sz="2800" dirty="0"/>
+              <a:t>뉴런방정식</a:t>
+            </a:r>
+            <a:r>
+              <a:rPr lang="en-US" altLang="ko-KR" sz="2800" dirty="0"/>
+              <a:t>, </a:t>
+            </a:r>
+            <a:r>
+              <a:rPr lang="en-US" altLang="ko-KR" sz="2800" dirty="0" err="1"/>
+              <a:t>rowdata</a:t>
+            </a:r>
+            <a:r>
+              <a:rPr lang="en-US" altLang="ko-KR" sz="2800" dirty="0"/>
+              <a:t>, </a:t>
+            </a:r>
+            <a:r>
+              <a:rPr lang="en-US" altLang="ko-KR" sz="2800" dirty="0" err="1"/>
+              <a:t>rowj</a:t>
+            </a:r>
+            <a:r>
+              <a:rPr lang="en-US" altLang="ko-KR" sz="2800" dirty="0"/>
+              <a:t> </a:t>
+            </a:r>
+          </a:p>
+          <a:p>
+            <a:endParaRPr lang="en-US" altLang="ko-KR" sz="2800" dirty="0"/>
+          </a:p>
+          <a:p>
+            <a:pPr marL="342900" indent="-342900">
+              <a:buAutoNum type="arabicPeriod"/>
+            </a:pPr>
+            <a:r>
+              <a:rPr lang="ko-KR" altLang="en-US" sz="2800" dirty="0"/>
+              <a:t>위 요소가 코드에 문제를 일으키지 않도록 한 후 코드를 수정하여 실행되게 만든다</a:t>
+            </a:r>
+            <a:r>
+              <a:rPr lang="en-US" altLang="ko-KR" sz="2800" dirty="0"/>
+              <a:t>.</a:t>
+            </a:r>
+          </a:p>
+          <a:p>
+            <a:pPr marL="342900" indent="-342900">
+              <a:buAutoNum type="arabicPeriod"/>
+            </a:pPr>
+            <a:r>
+              <a:rPr lang="en-US" altLang="ko-KR" sz="2800" dirty="0"/>
+              <a:t>Brian2</a:t>
+            </a:r>
+            <a:r>
+              <a:rPr lang="ko-KR" altLang="en-US" sz="2800" dirty="0"/>
+              <a:t>를 이용해 논문의 내용을 구현한 소스코드를 작동시킨다</a:t>
+            </a:r>
+            <a:r>
+              <a:rPr lang="en-US" altLang="ko-KR" sz="2800" dirty="0"/>
+              <a:t>. </a:t>
+            </a:r>
+            <a:r>
+              <a:rPr lang="ko-KR" altLang="en-US" sz="2800" dirty="0"/>
+              <a:t>이 코드를 모두 이해한 후 개량한다</a:t>
+            </a:r>
+            <a:r>
+              <a:rPr lang="en-US" altLang="ko-KR" sz="2800" dirty="0"/>
+              <a:t>. </a:t>
+            </a:r>
+            <a:r>
+              <a:rPr lang="ko-KR" altLang="en-US" sz="2800" dirty="0"/>
+              <a:t>그 다음 위 요소들을 추가한다</a:t>
+            </a:r>
+            <a:r>
+              <a:rPr lang="en-US" altLang="ko-KR" sz="2800" dirty="0"/>
+              <a:t>.</a:t>
+            </a:r>
+          </a:p>
+          <a:p>
+            <a:pPr marL="342900" indent="-342900">
+              <a:buAutoNum type="arabicPeriod"/>
+            </a:pPr>
+            <a:endParaRPr lang="en-US" altLang="ko-KR" sz="2800" dirty="0"/>
+          </a:p>
+          <a:p>
+            <a:r>
+              <a:rPr lang="en-US" altLang="ko-KR" sz="2800" dirty="0"/>
+              <a:t>-&gt; 2</a:t>
+            </a:r>
+            <a:r>
+              <a:rPr lang="ko-KR" altLang="en-US" sz="2800" dirty="0"/>
+              <a:t>번 방식 선택</a:t>
+            </a:r>
+          </a:p>
+        </p:txBody>
+      </p:sp>
     </p:spTree>
     <p:extLst>
       <p:ext uri="{BB962C8B-B14F-4D97-AF65-F5344CB8AC3E}">
@@ -6890,6 +7257,36 @@
           <a:chExt cx="0" cy="0"/>
         </a:xfrm>
       </p:grpSpPr>
+      <p:pic>
+        <p:nvPicPr>
+          <p:cNvPr id="3" name="그림 2">
+            <a:extLst>
+              <a:ext uri="{FF2B5EF4-FFF2-40B4-BE49-F238E27FC236}">
+                <a16:creationId xmlns:a16="http://schemas.microsoft.com/office/drawing/2014/main" id="{F5D3D571-C85B-40BF-A1A1-B576235427C3}"/>
+              </a:ext>
+            </a:extLst>
+          </p:cNvPr>
+          <p:cNvPicPr>
+            <a:picLocks noChangeAspect="1"/>
+          </p:cNvPicPr>
+          <p:nvPr/>
+        </p:nvPicPr>
+        <p:blipFill>
+          <a:blip r:embed="rId2"/>
+          <a:stretch>
+            <a:fillRect/>
+          </a:stretch>
+        </p:blipFill>
+        <p:spPr>
+          <a:xfrm>
+            <a:off x="3232915" y="0"/>
+            <a:ext cx="5726169" cy="6858000"/>
+          </a:xfrm>
+          <a:prstGeom prst="rect">
+            <a:avLst/>
+          </a:prstGeom>
+        </p:spPr>
+      </p:pic>
     </p:spTree>
     <p:extLst>
       <p:ext uri="{BB962C8B-B14F-4D97-AF65-F5344CB8AC3E}">
@@ -6920,6 +7317,36 @@
           <a:chExt cx="0" cy="0"/>
         </a:xfrm>
       </p:grpSpPr>
+      <p:pic>
+        <p:nvPicPr>
+          <p:cNvPr id="3" name="그림 2">
+            <a:extLst>
+              <a:ext uri="{FF2B5EF4-FFF2-40B4-BE49-F238E27FC236}">
+                <a16:creationId xmlns:a16="http://schemas.microsoft.com/office/drawing/2014/main" id="{7AEF6F99-E87B-4E8B-B8EE-B60D0718C288}"/>
+              </a:ext>
+            </a:extLst>
+          </p:cNvPr>
+          <p:cNvPicPr>
+            <a:picLocks noChangeAspect="1"/>
+          </p:cNvPicPr>
+          <p:nvPr/>
+        </p:nvPicPr>
+        <p:blipFill>
+          <a:blip r:embed="rId2"/>
+          <a:stretch>
+            <a:fillRect/>
+          </a:stretch>
+        </p:blipFill>
+        <p:spPr>
+          <a:xfrm>
+            <a:off x="265974" y="559927"/>
+            <a:ext cx="11660052" cy="5976355"/>
+          </a:xfrm>
+          <a:prstGeom prst="rect">
+            <a:avLst/>
+          </a:prstGeom>
+        </p:spPr>
+      </p:pic>
     </p:spTree>
     <p:extLst>
       <p:ext uri="{BB962C8B-B14F-4D97-AF65-F5344CB8AC3E}">
@@ -6950,6 +7377,36 @@
           <a:chExt cx="0" cy="0"/>
         </a:xfrm>
       </p:grpSpPr>
+      <p:pic>
+        <p:nvPicPr>
+          <p:cNvPr id="3" name="그림 2">
+            <a:extLst>
+              <a:ext uri="{FF2B5EF4-FFF2-40B4-BE49-F238E27FC236}">
+                <a16:creationId xmlns:a16="http://schemas.microsoft.com/office/drawing/2014/main" id="{19791E5A-8EB0-47CA-B863-1431BD0D20ED}"/>
+              </a:ext>
+            </a:extLst>
+          </p:cNvPr>
+          <p:cNvPicPr>
+            <a:picLocks noChangeAspect="1"/>
+          </p:cNvPicPr>
+          <p:nvPr/>
+        </p:nvPicPr>
+        <p:blipFill>
+          <a:blip r:embed="rId2"/>
+          <a:stretch>
+            <a:fillRect/>
+          </a:stretch>
+        </p:blipFill>
+        <p:spPr>
+          <a:xfrm>
+            <a:off x="2004441" y="837838"/>
+            <a:ext cx="8183117" cy="5182323"/>
+          </a:xfrm>
+          <a:prstGeom prst="rect">
+            <a:avLst/>
+          </a:prstGeom>
+        </p:spPr>
+      </p:pic>
     </p:spTree>
     <p:extLst>
       <p:ext uri="{BB962C8B-B14F-4D97-AF65-F5344CB8AC3E}">

--- a/files/presentation/ppt/brng_stoc_snn.py 발표/2021-11-08 brng_stoc_snn.py 발표자료.pptx
+++ b/files/presentation/ppt/brng_stoc_snn.py 발표/2021-11-08 brng_stoc_snn.py 발표자료.pptx
@@ -5,7 +5,7 @@
     <p:sldMasterId id="2147483695" r:id="rId1"/>
   </p:sldMasterIdLst>
   <p:notesMasterIdLst>
-    <p:notesMasterId r:id="rId22"/>
+    <p:notesMasterId r:id="rId19"/>
   </p:notesMasterIdLst>
   <p:sldIdLst>
     <p:sldId id="256" r:id="rId2"/>
@@ -21,13 +21,10 @@
     <p:sldId id="330" r:id="rId12"/>
     <p:sldId id="331" r:id="rId13"/>
     <p:sldId id="332" r:id="rId14"/>
-    <p:sldId id="333" r:id="rId15"/>
+    <p:sldId id="335" r:id="rId15"/>
     <p:sldId id="334" r:id="rId16"/>
-    <p:sldId id="335" r:id="rId17"/>
+    <p:sldId id="333" r:id="rId17"/>
     <p:sldId id="336" r:id="rId18"/>
-    <p:sldId id="337" r:id="rId19"/>
-    <p:sldId id="338" r:id="rId20"/>
-    <p:sldId id="321" r:id="rId21"/>
   </p:sldIdLst>
   <p:sldSz cx="12192000" cy="6858000"/>
   <p:notesSz cx="6858000" cy="9144000"/>
@@ -6380,6 +6377,36 @@
           <a:chExt cx="0" cy="0"/>
         </a:xfrm>
       </p:grpSpPr>
+      <p:pic>
+        <p:nvPicPr>
+          <p:cNvPr id="3" name="그림 2">
+            <a:extLst>
+              <a:ext uri="{FF2B5EF4-FFF2-40B4-BE49-F238E27FC236}">
+                <a16:creationId xmlns:a16="http://schemas.microsoft.com/office/drawing/2014/main" id="{4282FA28-CC1B-43B9-8AE2-1DD731A88822}"/>
+              </a:ext>
+            </a:extLst>
+          </p:cNvPr>
+          <p:cNvPicPr>
+            <a:picLocks noChangeAspect="1"/>
+          </p:cNvPicPr>
+          <p:nvPr/>
+        </p:nvPicPr>
+        <p:blipFill>
+          <a:blip r:embed="rId2"/>
+          <a:stretch>
+            <a:fillRect/>
+          </a:stretch>
+        </p:blipFill>
+        <p:spPr>
+          <a:xfrm>
+            <a:off x="485862" y="1167392"/>
+            <a:ext cx="11220275" cy="4523215"/>
+          </a:xfrm>
+          <a:prstGeom prst="rect">
+            <a:avLst/>
+          </a:prstGeom>
+        </p:spPr>
+      </p:pic>
     </p:spTree>
     <p:extLst>
       <p:ext uri="{BB962C8B-B14F-4D97-AF65-F5344CB8AC3E}">
@@ -6410,6 +6437,66 @@
           <a:chExt cx="0" cy="0"/>
         </a:xfrm>
       </p:grpSpPr>
+      <p:pic>
+        <p:nvPicPr>
+          <p:cNvPr id="3" name="그림 2">
+            <a:extLst>
+              <a:ext uri="{FF2B5EF4-FFF2-40B4-BE49-F238E27FC236}">
+                <a16:creationId xmlns:a16="http://schemas.microsoft.com/office/drawing/2014/main" id="{D750E93F-A9C9-42F3-BBA9-A7E8E8342766}"/>
+              </a:ext>
+            </a:extLst>
+          </p:cNvPr>
+          <p:cNvPicPr>
+            <a:picLocks noChangeAspect="1"/>
+          </p:cNvPicPr>
+          <p:nvPr/>
+        </p:nvPicPr>
+        <p:blipFill>
+          <a:blip r:embed="rId2"/>
+          <a:stretch>
+            <a:fillRect/>
+          </a:stretch>
+        </p:blipFill>
+        <p:spPr>
+          <a:xfrm>
+            <a:off x="1323471" y="893416"/>
+            <a:ext cx="5518624" cy="2535584"/>
+          </a:xfrm>
+          <a:prstGeom prst="rect">
+            <a:avLst/>
+          </a:prstGeom>
+        </p:spPr>
+      </p:pic>
+      <p:pic>
+        <p:nvPicPr>
+          <p:cNvPr id="5" name="그림 4">
+            <a:extLst>
+              <a:ext uri="{FF2B5EF4-FFF2-40B4-BE49-F238E27FC236}">
+                <a16:creationId xmlns:a16="http://schemas.microsoft.com/office/drawing/2014/main" id="{DFE469D5-875E-432B-A229-080224165ACC}"/>
+              </a:ext>
+            </a:extLst>
+          </p:cNvPr>
+          <p:cNvPicPr>
+            <a:picLocks noChangeAspect="1"/>
+          </p:cNvPicPr>
+          <p:nvPr/>
+        </p:nvPicPr>
+        <p:blipFill>
+          <a:blip r:embed="rId3"/>
+          <a:stretch>
+            <a:fillRect/>
+          </a:stretch>
+        </p:blipFill>
+        <p:spPr>
+          <a:xfrm>
+            <a:off x="5289805" y="3782089"/>
+            <a:ext cx="6007238" cy="2412233"/>
+          </a:xfrm>
+          <a:prstGeom prst="rect">
+            <a:avLst/>
+          </a:prstGeom>
+        </p:spPr>
+      </p:pic>
     </p:spTree>
     <p:extLst>
       <p:ext uri="{BB962C8B-B14F-4D97-AF65-F5344CB8AC3E}">
@@ -6440,10 +6527,70 @@
           <a:chExt cx="0" cy="0"/>
         </a:xfrm>
       </p:grpSpPr>
+      <p:pic>
+        <p:nvPicPr>
+          <p:cNvPr id="3" name="그림 2">
+            <a:extLst>
+              <a:ext uri="{FF2B5EF4-FFF2-40B4-BE49-F238E27FC236}">
+                <a16:creationId xmlns:a16="http://schemas.microsoft.com/office/drawing/2014/main" id="{116BFB90-7E97-45BA-98F3-A740361383A8}"/>
+              </a:ext>
+            </a:extLst>
+          </p:cNvPr>
+          <p:cNvPicPr>
+            <a:picLocks noChangeAspect="1"/>
+          </p:cNvPicPr>
+          <p:nvPr/>
+        </p:nvPicPr>
+        <p:blipFill>
+          <a:blip r:embed="rId2"/>
+          <a:stretch>
+            <a:fillRect/>
+          </a:stretch>
+        </p:blipFill>
+        <p:spPr>
+          <a:xfrm>
+            <a:off x="1157596" y="350937"/>
+            <a:ext cx="4938404" cy="2628236"/>
+          </a:xfrm>
+          <a:prstGeom prst="rect">
+            <a:avLst/>
+          </a:prstGeom>
+        </p:spPr>
+      </p:pic>
+      <p:pic>
+        <p:nvPicPr>
+          <p:cNvPr id="5" name="그림 4">
+            <a:extLst>
+              <a:ext uri="{FF2B5EF4-FFF2-40B4-BE49-F238E27FC236}">
+                <a16:creationId xmlns:a16="http://schemas.microsoft.com/office/drawing/2014/main" id="{CEBB9F09-7623-4391-B9B2-D9BADBB22DD2}"/>
+              </a:ext>
+            </a:extLst>
+          </p:cNvPr>
+          <p:cNvPicPr>
+            <a:picLocks noChangeAspect="1"/>
+          </p:cNvPicPr>
+          <p:nvPr/>
+        </p:nvPicPr>
+        <p:blipFill>
+          <a:blip r:embed="rId3"/>
+          <a:stretch>
+            <a:fillRect/>
+          </a:stretch>
+        </p:blipFill>
+        <p:spPr>
+          <a:xfrm>
+            <a:off x="5722375" y="2257546"/>
+            <a:ext cx="6335293" cy="5146144"/>
+          </a:xfrm>
+          <a:prstGeom prst="rect">
+            <a:avLst/>
+          </a:prstGeom>
+        </p:spPr>
+      </p:pic>
     </p:spTree>
     <p:extLst>
       <p:ext uri="{BB962C8B-B14F-4D97-AF65-F5344CB8AC3E}">
-        <p14:creationId xmlns:p14="http://schemas.microsoft.com/office/powerpoint/2010/main" val="4087394572"/>
+        <p14:creationId xmlns:p14="http://schemas.microsoft.com/office/powerpoint/2010/main" val="4119790954"/>
       </p:ext>
     </p:extLst>
   </p:cSld>
@@ -6470,10 +6617,40 @@
           <a:chExt cx="0" cy="0"/>
         </a:xfrm>
       </p:grpSpPr>
+      <p:pic>
+        <p:nvPicPr>
+          <p:cNvPr id="3" name="그림 2">
+            <a:extLst>
+              <a:ext uri="{FF2B5EF4-FFF2-40B4-BE49-F238E27FC236}">
+                <a16:creationId xmlns:a16="http://schemas.microsoft.com/office/drawing/2014/main" id="{FFE948D7-CD95-4A29-A517-E9CF606C6572}"/>
+              </a:ext>
+            </a:extLst>
+          </p:cNvPr>
+          <p:cNvPicPr>
+            <a:picLocks noChangeAspect="1"/>
+          </p:cNvPicPr>
+          <p:nvPr/>
+        </p:nvPicPr>
+        <p:blipFill>
+          <a:blip r:embed="rId2"/>
+          <a:stretch>
+            <a:fillRect/>
+          </a:stretch>
+        </p:blipFill>
+        <p:spPr>
+          <a:xfrm>
+            <a:off x="1338119" y="2033107"/>
+            <a:ext cx="9515761" cy="3084583"/>
+          </a:xfrm>
+          <a:prstGeom prst="rect">
+            <a:avLst/>
+          </a:prstGeom>
+        </p:spPr>
+      </p:pic>
     </p:spTree>
     <p:extLst>
       <p:ext uri="{BB962C8B-B14F-4D97-AF65-F5344CB8AC3E}">
-        <p14:creationId xmlns:p14="http://schemas.microsoft.com/office/powerpoint/2010/main" val="4009196761"/>
+        <p14:creationId xmlns:p14="http://schemas.microsoft.com/office/powerpoint/2010/main" val="2216059787"/>
       </p:ext>
     </p:extLst>
   </p:cSld>
@@ -6500,10 +6677,40 @@
           <a:chExt cx="0" cy="0"/>
         </a:xfrm>
       </p:grpSpPr>
+      <p:pic>
+        <p:nvPicPr>
+          <p:cNvPr id="7" name="그림 6">
+            <a:extLst>
+              <a:ext uri="{FF2B5EF4-FFF2-40B4-BE49-F238E27FC236}">
+                <a16:creationId xmlns:a16="http://schemas.microsoft.com/office/drawing/2014/main" id="{4F4EA125-80D0-4656-9E74-9B3FA9E999F0}"/>
+              </a:ext>
+            </a:extLst>
+          </p:cNvPr>
+          <p:cNvPicPr>
+            <a:picLocks noChangeAspect="1"/>
+          </p:cNvPicPr>
+          <p:nvPr/>
+        </p:nvPicPr>
+        <p:blipFill>
+          <a:blip r:embed="rId2"/>
+          <a:stretch>
+            <a:fillRect/>
+          </a:stretch>
+        </p:blipFill>
+        <p:spPr>
+          <a:xfrm>
+            <a:off x="480876" y="1338262"/>
+            <a:ext cx="11230247" cy="4181475"/>
+          </a:xfrm>
+          <a:prstGeom prst="rect">
+            <a:avLst/>
+          </a:prstGeom>
+        </p:spPr>
+      </p:pic>
     </p:spTree>
     <p:extLst>
       <p:ext uri="{BB962C8B-B14F-4D97-AF65-F5344CB8AC3E}">
-        <p14:creationId xmlns:p14="http://schemas.microsoft.com/office/powerpoint/2010/main" val="4091911662"/>
+        <p14:creationId xmlns:p14="http://schemas.microsoft.com/office/powerpoint/2010/main" val="984838029"/>
       </p:ext>
     </p:extLst>
   </p:cSld>
@@ -6530,10 +6737,40 @@
           <a:chExt cx="0" cy="0"/>
         </a:xfrm>
       </p:grpSpPr>
+      <p:pic>
+        <p:nvPicPr>
+          <p:cNvPr id="3" name="그림 2">
+            <a:extLst>
+              <a:ext uri="{FF2B5EF4-FFF2-40B4-BE49-F238E27FC236}">
+                <a16:creationId xmlns:a16="http://schemas.microsoft.com/office/drawing/2014/main" id="{60695114-E17B-4EE2-B12D-36449A29ED1A}"/>
+              </a:ext>
+            </a:extLst>
+          </p:cNvPr>
+          <p:cNvPicPr>
+            <a:picLocks noChangeAspect="1"/>
+          </p:cNvPicPr>
+          <p:nvPr/>
+        </p:nvPicPr>
+        <p:blipFill>
+          <a:blip r:embed="rId2"/>
+          <a:stretch>
+            <a:fillRect/>
+          </a:stretch>
+        </p:blipFill>
+        <p:spPr>
+          <a:xfrm>
+            <a:off x="1409045" y="99548"/>
+            <a:ext cx="9519509" cy="6762334"/>
+          </a:xfrm>
+          <a:prstGeom prst="rect">
+            <a:avLst/>
+          </a:prstGeom>
+        </p:spPr>
+      </p:pic>
     </p:spTree>
     <p:extLst>
       <p:ext uri="{BB962C8B-B14F-4D97-AF65-F5344CB8AC3E}">
-        <p14:creationId xmlns:p14="http://schemas.microsoft.com/office/powerpoint/2010/main" val="3502664564"/>
+        <p14:creationId xmlns:p14="http://schemas.microsoft.com/office/powerpoint/2010/main" val="420589460"/>
       </p:ext>
     </p:extLst>
   </p:cSld>
@@ -6563,67 +6800,7 @@
     </p:spTree>
     <p:extLst>
       <p:ext uri="{BB962C8B-B14F-4D97-AF65-F5344CB8AC3E}">
-        <p14:creationId xmlns:p14="http://schemas.microsoft.com/office/powerpoint/2010/main" val="4152022653"/>
-      </p:ext>
-    </p:extLst>
-  </p:cSld>
-  <p:clrMapOvr>
-    <a:masterClrMapping/>
-  </p:clrMapOvr>
-</p:sld>
-</file>
-
-<file path=ppt/slides/slide18.xml><?xml version="1.0" encoding="utf-8"?>
-<p:sld xmlns:a="http://schemas.openxmlformats.org/drawingml/2006/main" xmlns:r="http://schemas.openxmlformats.org/officeDocument/2006/relationships" xmlns:p="http://schemas.openxmlformats.org/presentationml/2006/main">
-  <p:cSld>
-    <p:spTree>
-      <p:nvGrpSpPr>
-        <p:cNvPr id="1" name=""/>
-        <p:cNvGrpSpPr/>
-        <p:nvPr/>
-      </p:nvGrpSpPr>
-      <p:grpSpPr>
-        <a:xfrm>
-          <a:off x="0" y="0"/>
-          <a:ext cx="0" cy="0"/>
-          <a:chOff x="0" y="0"/>
-          <a:chExt cx="0" cy="0"/>
-        </a:xfrm>
-      </p:grpSpPr>
-    </p:spTree>
-    <p:extLst>
-      <p:ext uri="{BB962C8B-B14F-4D97-AF65-F5344CB8AC3E}">
-        <p14:creationId xmlns:p14="http://schemas.microsoft.com/office/powerpoint/2010/main" val="139130903"/>
-      </p:ext>
-    </p:extLst>
-  </p:cSld>
-  <p:clrMapOvr>
-    <a:masterClrMapping/>
-  </p:clrMapOvr>
-</p:sld>
-</file>
-
-<file path=ppt/slides/slide19.xml><?xml version="1.0" encoding="utf-8"?>
-<p:sld xmlns:a="http://schemas.openxmlformats.org/drawingml/2006/main" xmlns:r="http://schemas.openxmlformats.org/officeDocument/2006/relationships" xmlns:p="http://schemas.openxmlformats.org/presentationml/2006/main">
-  <p:cSld>
-    <p:spTree>
-      <p:nvGrpSpPr>
-        <p:cNvPr id="1" name=""/>
-        <p:cNvGrpSpPr/>
-        <p:nvPr/>
-      </p:nvGrpSpPr>
-      <p:grpSpPr>
-        <a:xfrm>
-          <a:off x="0" y="0"/>
-          <a:ext cx="0" cy="0"/>
-          <a:chOff x="0" y="0"/>
-          <a:chExt cx="0" cy="0"/>
-        </a:xfrm>
-      </p:grpSpPr>
-    </p:spTree>
-    <p:extLst>
-      <p:ext uri="{BB962C8B-B14F-4D97-AF65-F5344CB8AC3E}">
-        <p14:creationId xmlns:p14="http://schemas.microsoft.com/office/powerpoint/2010/main" val="2129483698"/>
+        <p14:creationId xmlns:p14="http://schemas.microsoft.com/office/powerpoint/2010/main" val="316686190"/>
       </p:ext>
     </p:extLst>
   </p:cSld>
@@ -6684,36 +6861,6 @@
     <p:extLst>
       <p:ext uri="{BB962C8B-B14F-4D97-AF65-F5344CB8AC3E}">
         <p14:creationId xmlns:p14="http://schemas.microsoft.com/office/powerpoint/2010/main" val="3787907203"/>
-      </p:ext>
-    </p:extLst>
-  </p:cSld>
-  <p:clrMapOvr>
-    <a:masterClrMapping/>
-  </p:clrMapOvr>
-</p:sld>
-</file>
-
-<file path=ppt/slides/slide20.xml><?xml version="1.0" encoding="utf-8"?>
-<p:sld xmlns:a="http://schemas.openxmlformats.org/drawingml/2006/main" xmlns:r="http://schemas.openxmlformats.org/officeDocument/2006/relationships" xmlns:p="http://schemas.openxmlformats.org/presentationml/2006/main">
-  <p:cSld>
-    <p:spTree>
-      <p:nvGrpSpPr>
-        <p:cNvPr id="1" name=""/>
-        <p:cNvGrpSpPr/>
-        <p:nvPr/>
-      </p:nvGrpSpPr>
-      <p:grpSpPr>
-        <a:xfrm>
-          <a:off x="0" y="0"/>
-          <a:ext cx="0" cy="0"/>
-          <a:chOff x="0" y="0"/>
-          <a:chExt cx="0" cy="0"/>
-        </a:xfrm>
-      </p:grpSpPr>
-    </p:spTree>
-    <p:extLst>
-      <p:ext uri="{BB962C8B-B14F-4D97-AF65-F5344CB8AC3E}">
-        <p14:creationId xmlns:p14="http://schemas.microsoft.com/office/powerpoint/2010/main" val="4063855348"/>
       </p:ext>
     </p:extLst>
   </p:cSld>
